--- a/Netflix_Dashboard_Presentation.pptx
+++ b/Netflix_Dashboard_Presentation.pptx
@@ -140,6 +140,43 @@
     </p:ext>
   </p:extLst>
 </p:presentation>
+</file>
+
+<file path=ppt/revisionInfo.xml><?xml version="1.0" encoding="utf-8"?>
+<p1510:revInfo xmlns:a="http://schemas.openxmlformats.org/drawingml/2006/main" xmlns:r="http://schemas.openxmlformats.org/officeDocument/2006/relationships" xmlns:p1510="http://schemas.microsoft.com/office/powerpoint/2015/10/main">
+  <p1510:revLst>
+    <p1510:client id="{F8E5AA06-3E8D-446B-8934-EC5BE55C3163}" v="2" dt="2025-07-23T13:16:36.894"/>
+  </p1510:revLst>
+</p1510:revInfo>
+</file>
+
+<file path=ppt/changesInfos/changesInfo1.xml><?xml version="1.0" encoding="utf-8"?>
+<pc:chgInfo xmlns:a="http://schemas.openxmlformats.org/drawingml/2006/main" xmlns:r="http://schemas.openxmlformats.org/officeDocument/2006/relationships" xmlns:ac="http://schemas.microsoft.com/office/drawing/2013/main/command" xmlns:pc="http://schemas.microsoft.com/office/powerpoint/2013/main/command">
+  <pc:docChgLst>
+    <pc:chgData name="huzaifa18 18" userId="50ea2226-2cd2-4e71-98be-f1ce2627f982" providerId="ADAL" clId="{F8E5AA06-3E8D-446B-8934-EC5BE55C3163}"/>
+    <pc:docChg chg="modSld">
+      <pc:chgData name="huzaifa18 18" userId="50ea2226-2cd2-4e71-98be-f1ce2627f982" providerId="ADAL" clId="{F8E5AA06-3E8D-446B-8934-EC5BE55C3163}" dt="2025-07-23T13:16:36.872" v="1" actId="20577"/>
+      <pc:docMkLst>
+        <pc:docMk/>
+      </pc:docMkLst>
+      <pc:sldChg chg="modSp mod">
+        <pc:chgData name="huzaifa18 18" userId="50ea2226-2cd2-4e71-98be-f1ce2627f982" providerId="ADAL" clId="{F8E5AA06-3E8D-446B-8934-EC5BE55C3163}" dt="2025-07-23T13:16:36.872" v="1" actId="20577"/>
+        <pc:sldMkLst>
+          <pc:docMk/>
+          <pc:sldMk cId="0" sldId="266"/>
+        </pc:sldMkLst>
+        <pc:spChg chg="mod">
+          <ac:chgData name="huzaifa18 18" userId="50ea2226-2cd2-4e71-98be-f1ce2627f982" providerId="ADAL" clId="{F8E5AA06-3E8D-446B-8934-EC5BE55C3163}" dt="2025-07-23T13:16:36.872" v="1" actId="20577"/>
+          <ac:spMkLst>
+            <pc:docMk/>
+            <pc:sldMk cId="0" sldId="266"/>
+            <ac:spMk id="3" creationId="{00000000-0000-0000-0000-000000000000}"/>
+          </ac:spMkLst>
+        </pc:spChg>
+      </pc:sldChg>
+    </pc:docChg>
+  </pc:docChgLst>
+</pc:chgInfo>
 </file>
 
 <file path=ppt/diagrams/colors1.xml><?xml version="1.0" encoding="utf-8"?>
@@ -13851,28 +13888,35 @@
           <a:lstStyle/>
           <a:p>
             <a:r>
-              <a:rPr lang="en-US"/>
+              <a:rPr lang="en-US" dirty="0"/>
               <a:t>📌 Created by Afia Basri</a:t>
             </a:r>
           </a:p>
           <a:p>
             <a:r>
-              <a:rPr lang="en-US"/>
-              <a:t>🔗 Fiverr: https://www.fiverr.com</a:t>
-            </a:r>
-          </a:p>
-          <a:p>
-            <a:r>
-              <a:rPr lang="en-US"/>
+              <a:rPr lang="en-US" dirty="0"/>
+              <a:t>🔗 Fiverr: </a:t>
+            </a:r>
+            <a:r>
+              <a:rPr lang="en-US" dirty="0">
+                <a:hlinkClick r:id="rId3"/>
+              </a:rPr>
+              <a:t>https://www.fiverr.com/seller_dashboard</a:t>
+            </a:r>
+            <a:endParaRPr lang="en-US" dirty="0"/>
+          </a:p>
+          <a:p>
+            <a:r>
+              <a:rPr lang="en-US" dirty="0"/>
               <a:t>🔗 GitHub: https://github.com</a:t>
             </a:r>
           </a:p>
           <a:p>
-            <a:endParaRPr lang="en-US"/>
-          </a:p>
-          <a:p>
-            <a:r>
-              <a:rPr lang="en-US"/>
+            <a:endParaRPr lang="en-US" dirty="0"/>
+          </a:p>
+          <a:p>
+            <a:r>
+              <a:rPr lang="en-US" dirty="0"/>
               <a:t>Feel free to reach out for custom dashboards and data insights.</a:t>
             </a:r>
           </a:p>
@@ -13893,13 +13937,13 @@
           <p:nvPr/>
         </p:nvPicPr>
         <p:blipFill>
-          <a:blip r:embed="rId3">
+          <a:blip r:embed="rId4">
             <a:extLst>
               <a:ext uri="{28A0092B-C50C-407E-A947-70E740481C1C}">
                 <a14:useLocalDpi xmlns:a14="http://schemas.microsoft.com/office/drawing/2010/main" val="0"/>
               </a:ext>
               <a:ext uri="{96DAC541-7B7A-43D3-8B79-37D633B846F1}">
-                <asvg:svgBlip xmlns:asvg="http://schemas.microsoft.com/office/drawing/2016/SVG/main" r:embed="rId4"/>
+                <asvg:svgBlip xmlns:asvg="http://schemas.microsoft.com/office/drawing/2016/SVG/main" r:embed="rId5"/>
               </a:ext>
             </a:extLst>
           </a:blip>
